--- a/Design Specification Final.pptx
+++ b/Design Specification Final.pptx
@@ -275,7 +275,7 @@
           <a:p>
             <a:fld id="{8B1F6BEF-6D8B-4DEB-9E20-05E468EF1E47}" type="datetimeFigureOut">
               <a:rPr lang="en-GB" smtClean="0"/>
-              <a:t>18/02/2019</a:t>
+              <a:t>21/02/2019</a:t>
             </a:fld>
             <a:endParaRPr lang="en-GB" dirty="0"/>
           </a:p>
@@ -475,7 +475,7 @@
           <a:p>
             <a:fld id="{8B1F6BEF-6D8B-4DEB-9E20-05E468EF1E47}" type="datetimeFigureOut">
               <a:rPr lang="en-GB" smtClean="0"/>
-              <a:t>18/02/2019</a:t>
+              <a:t>21/02/2019</a:t>
             </a:fld>
             <a:endParaRPr lang="en-GB" dirty="0"/>
           </a:p>
@@ -685,7 +685,7 @@
           <a:p>
             <a:fld id="{8B1F6BEF-6D8B-4DEB-9E20-05E468EF1E47}" type="datetimeFigureOut">
               <a:rPr lang="en-GB" smtClean="0"/>
-              <a:t>18/02/2019</a:t>
+              <a:t>21/02/2019</a:t>
             </a:fld>
             <a:endParaRPr lang="en-GB" dirty="0"/>
           </a:p>
@@ -885,7 +885,7 @@
           <a:p>
             <a:fld id="{8B1F6BEF-6D8B-4DEB-9E20-05E468EF1E47}" type="datetimeFigureOut">
               <a:rPr lang="en-GB" smtClean="0"/>
-              <a:t>18/02/2019</a:t>
+              <a:t>21/02/2019</a:t>
             </a:fld>
             <a:endParaRPr lang="en-GB" dirty="0"/>
           </a:p>
@@ -1161,7 +1161,7 @@
           <a:p>
             <a:fld id="{8B1F6BEF-6D8B-4DEB-9E20-05E468EF1E47}" type="datetimeFigureOut">
               <a:rPr lang="en-GB" smtClean="0"/>
-              <a:t>18/02/2019</a:t>
+              <a:t>21/02/2019</a:t>
             </a:fld>
             <a:endParaRPr lang="en-GB" dirty="0"/>
           </a:p>
@@ -1429,7 +1429,7 @@
           <a:p>
             <a:fld id="{8B1F6BEF-6D8B-4DEB-9E20-05E468EF1E47}" type="datetimeFigureOut">
               <a:rPr lang="en-GB" smtClean="0"/>
-              <a:t>18/02/2019</a:t>
+              <a:t>21/02/2019</a:t>
             </a:fld>
             <a:endParaRPr lang="en-GB" dirty="0"/>
           </a:p>
@@ -1844,7 +1844,7 @@
           <a:p>
             <a:fld id="{8B1F6BEF-6D8B-4DEB-9E20-05E468EF1E47}" type="datetimeFigureOut">
               <a:rPr lang="en-GB" smtClean="0"/>
-              <a:t>18/02/2019</a:t>
+              <a:t>21/02/2019</a:t>
             </a:fld>
             <a:endParaRPr lang="en-GB" dirty="0"/>
           </a:p>
@@ -1986,7 +1986,7 @@
           <a:p>
             <a:fld id="{8B1F6BEF-6D8B-4DEB-9E20-05E468EF1E47}" type="datetimeFigureOut">
               <a:rPr lang="en-GB" smtClean="0"/>
-              <a:t>18/02/2019</a:t>
+              <a:t>21/02/2019</a:t>
             </a:fld>
             <a:endParaRPr lang="en-GB" dirty="0"/>
           </a:p>
@@ -2099,7 +2099,7 @@
           <a:p>
             <a:fld id="{8B1F6BEF-6D8B-4DEB-9E20-05E468EF1E47}" type="datetimeFigureOut">
               <a:rPr lang="en-GB" smtClean="0"/>
-              <a:t>18/02/2019</a:t>
+              <a:t>21/02/2019</a:t>
             </a:fld>
             <a:endParaRPr lang="en-GB" dirty="0"/>
           </a:p>
@@ -2412,7 +2412,7 @@
           <a:p>
             <a:fld id="{8B1F6BEF-6D8B-4DEB-9E20-05E468EF1E47}" type="datetimeFigureOut">
               <a:rPr lang="en-GB" smtClean="0"/>
-              <a:t>18/02/2019</a:t>
+              <a:t>21/02/2019</a:t>
             </a:fld>
             <a:endParaRPr lang="en-GB" dirty="0"/>
           </a:p>
@@ -2705,7 +2705,7 @@
           <a:p>
             <a:fld id="{8B1F6BEF-6D8B-4DEB-9E20-05E468EF1E47}" type="datetimeFigureOut">
               <a:rPr lang="en-GB" smtClean="0"/>
-              <a:t>18/02/2019</a:t>
+              <a:t>21/02/2019</a:t>
             </a:fld>
             <a:endParaRPr lang="en-GB" dirty="0"/>
           </a:p>
@@ -2948,7 +2948,7 @@
           <a:p>
             <a:fld id="{8B1F6BEF-6D8B-4DEB-9E20-05E468EF1E47}" type="datetimeFigureOut">
               <a:rPr lang="en-GB" smtClean="0"/>
-              <a:t>18/02/2019</a:t>
+              <a:t>21/02/2019</a:t>
             </a:fld>
             <a:endParaRPr lang="en-GB" dirty="0"/>
           </a:p>
@@ -3590,10 +3590,10 @@
       </p:sp>
       <p:pic>
         <p:nvPicPr>
-          <p:cNvPr id="5" name="Picture 4" descr="A screenshot of a cell phone&#13;&#10;&#13;&#10;Description automatically generated">
-            <a:extLst>
-              <a:ext uri="{FF2B5EF4-FFF2-40B4-BE49-F238E27FC236}">
-                <a16:creationId xmlns:a16="http://schemas.microsoft.com/office/drawing/2014/main" id="{9A70EEBD-5578-784E-A613-CCE76E3FCDCF}"/>
+          <p:cNvPr id="4" name="Picture 3" descr="A screenshot of a cell phone&#13;&#10;&#13;&#10;Description automatically generated">
+            <a:extLst>
+              <a:ext uri="{FF2B5EF4-FFF2-40B4-BE49-F238E27FC236}">
+                <a16:creationId xmlns:a16="http://schemas.microsoft.com/office/drawing/2014/main" id="{6DB52C5B-1B6D-544F-995C-3E7CE8CDE30F}"/>
               </a:ext>
             </a:extLst>
           </p:cNvPr>
@@ -3616,8 +3616,8 @@
         </p:blipFill>
         <p:spPr>
           <a:xfrm>
-            <a:off x="3411828" y="0"/>
-            <a:ext cx="8780172" cy="6858000"/>
+            <a:off x="3447092" y="0"/>
+            <a:ext cx="8744908" cy="6858000"/>
           </a:xfrm>
           <a:prstGeom prst="rect">
             <a:avLst/>
@@ -4301,14 +4301,14 @@
           <p:nvPr>
             <p:extLst>
               <p:ext uri="{D42A27DB-BD31-4B8C-83A1-F6EECF244321}">
-                <p14:modId xmlns:p14="http://schemas.microsoft.com/office/powerpoint/2010/main" val="3886962367"/>
+                <p14:modId xmlns:p14="http://schemas.microsoft.com/office/powerpoint/2010/main" val="2099492486"/>
               </p:ext>
             </p:extLst>
           </p:nvPr>
         </p:nvGraphicFramePr>
         <p:xfrm>
           <a:off x="8987400" y="750088"/>
-          <a:ext cx="2824672" cy="2590800"/>
+          <a:ext cx="2824672" cy="2849880"/>
         </p:xfrm>
         <a:graphic>
           <a:graphicData uri="http://schemas.openxmlformats.org/drawingml/2006/table">
@@ -4538,7 +4538,7 @@
                     <a:p>
                       <a:r>
                         <a:rPr lang="en-GB" sz="1100" dirty="0"/>
-                        <a:t>time</a:t>
+                        <a:t>posted</a:t>
                       </a:r>
                     </a:p>
                   </a:txBody>
@@ -4571,6 +4571,40 @@
                     <a:p>
                       <a:r>
                         <a:rPr lang="en-GB" sz="1100" dirty="0"/>
+                        <a:t>edited</a:t>
+                      </a:r>
+                      <a:endParaRPr lang="en-GB" sz="1100" i="1" u="dotted" baseline="0" dirty="0"/>
+                    </a:p>
+                  </a:txBody>
+                  <a:tcPr/>
+                </a:tc>
+                <a:tc>
+                  <a:txBody>
+                    <a:bodyPr/>
+                    <a:lstStyle/>
+                    <a:p>
+                      <a:r>
+                        <a:rPr lang="en-GB" sz="1100" i="0" dirty="0"/>
+                        <a:t>Datetime</a:t>
+                      </a:r>
+                    </a:p>
+                  </a:txBody>
+                  <a:tcPr/>
+                </a:tc>
+                <a:extLst>
+                  <a:ext uri="{0D108BD9-81ED-4DB2-BD59-A6C34878D82A}">
+                    <a16:rowId xmlns:a16="http://schemas.microsoft.com/office/drawing/2014/main" val="323871396"/>
+                  </a:ext>
+                </a:extLst>
+              </a:tr>
+              <a:tr h="193635">
+                <a:tc>
+                  <a:txBody>
+                    <a:bodyPr/>
+                    <a:lstStyle/>
+                    <a:p>
+                      <a:r>
+                        <a:rPr lang="en-GB" sz="1100" dirty="0"/>
                         <a:t>views</a:t>
                       </a:r>
                     </a:p>
@@ -4592,7 +4626,7 @@
                 </a:tc>
                 <a:extLst>
                   <a:ext uri="{0D108BD9-81ED-4DB2-BD59-A6C34878D82A}">
-                    <a16:rowId xmlns:a16="http://schemas.microsoft.com/office/drawing/2014/main" val="909878084"/>
+                    <a16:rowId xmlns:a16="http://schemas.microsoft.com/office/drawing/2014/main" val="336718452"/>
                   </a:ext>
                 </a:extLst>
               </a:tr>
@@ -4625,7 +4659,7 @@
                 </a:tc>
                 <a:extLst>
                   <a:ext uri="{0D108BD9-81ED-4DB2-BD59-A6C34878D82A}">
-                    <a16:rowId xmlns:a16="http://schemas.microsoft.com/office/drawing/2014/main" val="1395525398"/>
+                    <a16:rowId xmlns:a16="http://schemas.microsoft.com/office/drawing/2014/main" val="3507415325"/>
                   </a:ext>
                 </a:extLst>
               </a:tr>
@@ -4658,7 +4692,7 @@
                 </a:tc>
                 <a:extLst>
                   <a:ext uri="{0D108BD9-81ED-4DB2-BD59-A6C34878D82A}">
-                    <a16:rowId xmlns:a16="http://schemas.microsoft.com/office/drawing/2014/main" val="3780136870"/>
+                    <a16:rowId xmlns:a16="http://schemas.microsoft.com/office/drawing/2014/main" val="1731291593"/>
                   </a:ext>
                 </a:extLst>
               </a:tr>
@@ -4680,7 +4714,7 @@
         </p:nvSpPr>
         <p:spPr>
           <a:xfrm>
-            <a:off x="9190007" y="409372"/>
+            <a:off x="9033893" y="409372"/>
             <a:ext cx="2824672" cy="338554"/>
           </a:xfrm>
           <a:prstGeom prst="rect">
@@ -4718,14 +4752,14 @@
           <p:nvPr>
             <p:extLst>
               <p:ext uri="{D42A27DB-BD31-4B8C-83A1-F6EECF244321}">
-                <p14:modId xmlns:p14="http://schemas.microsoft.com/office/powerpoint/2010/main" val="3845715247"/>
+                <p14:modId xmlns:p14="http://schemas.microsoft.com/office/powerpoint/2010/main" val="1992769591"/>
               </p:ext>
             </p:extLst>
           </p:nvPr>
         </p:nvGraphicFramePr>
         <p:xfrm>
           <a:off x="8987400" y="4022307"/>
-          <a:ext cx="2824672" cy="2072640"/>
+          <a:ext cx="2824672" cy="2331720"/>
         </p:xfrm>
         <a:graphic>
           <a:graphicData uri="http://schemas.openxmlformats.org/drawingml/2006/table">
@@ -4922,7 +4956,7 @@
                     <a:p>
                       <a:r>
                         <a:rPr lang="en-GB" sz="1100" dirty="0"/>
-                        <a:t>time</a:t>
+                        <a:t>posted</a:t>
                       </a:r>
                     </a:p>
                   </a:txBody>
@@ -4944,6 +4978,39 @@
                 <a:extLst>
                   <a:ext uri="{0D108BD9-81ED-4DB2-BD59-A6C34878D82A}">
                     <a16:rowId xmlns:a16="http://schemas.microsoft.com/office/drawing/2014/main" val="3630999296"/>
+                  </a:ext>
+                </a:extLst>
+              </a:tr>
+              <a:tr h="193635">
+                <a:tc>
+                  <a:txBody>
+                    <a:bodyPr/>
+                    <a:lstStyle/>
+                    <a:p>
+                      <a:r>
+                        <a:rPr lang="en-GB" sz="1100" dirty="0"/>
+                        <a:t>edited</a:t>
+                      </a:r>
+                    </a:p>
+                  </a:txBody>
+                  <a:tcPr/>
+                </a:tc>
+                <a:tc>
+                  <a:txBody>
+                    <a:bodyPr/>
+                    <a:lstStyle/>
+                    <a:p>
+                      <a:r>
+                        <a:rPr lang="en-GB" sz="1100" dirty="0"/>
+                        <a:t>Datetime</a:t>
+                      </a:r>
+                    </a:p>
+                  </a:txBody>
+                  <a:tcPr/>
+                </a:tc>
+                <a:extLst>
+                  <a:ext uri="{0D108BD9-81ED-4DB2-BD59-A6C34878D82A}">
+                    <a16:rowId xmlns:a16="http://schemas.microsoft.com/office/drawing/2014/main" val="1912161768"/>
                   </a:ext>
                 </a:extLst>
               </a:tr>
@@ -5543,10 +5610,10 @@
       </p:grpSpPr>
       <p:pic>
         <p:nvPicPr>
-          <p:cNvPr id="4" name="Picture 3">
-            <a:extLst>
-              <a:ext uri="{FF2B5EF4-FFF2-40B4-BE49-F238E27FC236}">
-                <a16:creationId xmlns:a16="http://schemas.microsoft.com/office/drawing/2014/main" id="{E0865B6F-62E2-4131-809E-3A2D8EF3230E}"/>
+          <p:cNvPr id="5" name="Picture 4" descr="A picture containing screenshot&#13;&#10;&#13;&#10;Description automatically generated">
+            <a:extLst>
+              <a:ext uri="{FF2B5EF4-FFF2-40B4-BE49-F238E27FC236}">
+                <a16:creationId xmlns:a16="http://schemas.microsoft.com/office/drawing/2014/main" id="{797919E1-3380-CD43-BF43-3D1908EF47EB}"/>
               </a:ext>
             </a:extLst>
           </p:cNvPr>
@@ -5569,8 +5636,8 @@
         </p:blipFill>
         <p:spPr>
           <a:xfrm>
-            <a:off x="1198040" y="726037"/>
-            <a:ext cx="9615362" cy="5846527"/>
+            <a:off x="490060" y="625940"/>
+            <a:ext cx="11149799" cy="5845198"/>
           </a:xfrm>
           <a:prstGeom prst="rect">
             <a:avLst/>
@@ -5669,7 +5736,7 @@
           <p:nvPr>
             <p:extLst>
               <p:ext uri="{D42A27DB-BD31-4B8C-83A1-F6EECF244321}">
-                <p14:modId xmlns:p14="http://schemas.microsoft.com/office/powerpoint/2010/main" val="3031116351"/>
+                <p14:modId xmlns:p14="http://schemas.microsoft.com/office/powerpoint/2010/main" val="4058664129"/>
               </p:ext>
             </p:extLst>
           </p:nvPr>
@@ -6028,14 +6095,11 @@
                         </a:rPr>
                         <a:t>myprofile</a:t>
                       </a:r>
-                      <a:r>
-                        <a:rPr lang="en-US" sz="2000" b="0" dirty="0">
-                          <a:solidFill>
-                            <a:schemeClr val="tx1"/>
-                          </a:solidFill>
-                        </a:rPr>
-                        <a:t>/</a:t>
-                      </a:r>
+                      <a:endParaRPr lang="en-US" sz="2000" b="0" dirty="0">
+                        <a:solidFill>
+                          <a:schemeClr val="tx1"/>
+                        </a:solidFill>
+                      </a:endParaRPr>
                     </a:p>
                   </a:txBody>
                   <a:tcPr>
@@ -6096,8 +6160,21 @@
                             <a:schemeClr val="tx1"/>
                           </a:solidFill>
                         </a:rPr>
-                        <a:t>/faq</a:t>
+                        <a:t>/</a:t>
                       </a:r>
+                      <a:r>
+                        <a:rPr lang="en-US" sz="2000" b="0" dirty="0" err="1">
+                          <a:solidFill>
+                            <a:schemeClr val="tx1"/>
+                          </a:solidFill>
+                        </a:rPr>
+                        <a:t>faq</a:t>
+                      </a:r>
+                      <a:endParaRPr lang="en-US" sz="2000" b="0" dirty="0">
+                        <a:solidFill>
+                          <a:schemeClr val="tx1"/>
+                        </a:solidFill>
+                      </a:endParaRPr>
                     </a:p>
                   </a:txBody>
                   <a:tcPr>
@@ -6151,7 +6228,7 @@
                             <a:schemeClr val="tx1"/>
                           </a:solidFill>
                         </a:rPr>
-                        <a:t>/profile/user-id/</a:t>
+                        <a:t>/profile/user-id</a:t>
                       </a:r>
                     </a:p>
                   </a:txBody>
@@ -6262,7 +6339,10 @@
                     <a:bodyPr/>
                     <a:lstStyle/>
                     <a:p>
-                      <a:endParaRPr lang="en-GB"/>
+                      <a:r>
+                        <a:rPr lang="en-GB" sz="2000" dirty="0"/>
+                        <a:t>/approve-categories</a:t>
+                      </a:r>
                     </a:p>
                   </a:txBody>
                   <a:tcPr>
@@ -6372,7 +6452,7 @@
                     <a:bodyPr/>
                     <a:lstStyle/>
                     <a:p>
-                      <a:endParaRPr lang="en-GB" dirty="0"/>
+                      <a:endParaRPr lang="en-GB" sz="2000" dirty="0"/>
                     </a:p>
                   </a:txBody>
                   <a:tcPr>
@@ -6630,7 +6710,7 @@
                     <a:bodyPr/>
                     <a:lstStyle/>
                     <a:p>
-                      <a:endParaRPr lang="en-GB"/>
+                      <a:endParaRPr lang="en-GB" sz="2000" dirty="0"/>
                     </a:p>
                   </a:txBody>
                   <a:tcPr>
@@ -6740,7 +6820,7 @@
                     <a:bodyPr/>
                     <a:lstStyle/>
                     <a:p>
-                      <a:endParaRPr lang="en-GB" dirty="0"/>
+                      <a:endParaRPr lang="en-GB" sz="2000" dirty="0"/>
                     </a:p>
                   </a:txBody>
                   <a:tcPr>
@@ -7913,21 +7993,19 @@
           <a:p>
             <a:r>
               <a:rPr lang="en-GB" sz="2000" dirty="0"/>
-              <a:t>Mark </a:t>
-            </a:r>
-            <a:r>
-              <a:rPr lang="en-GB" sz="2000"/>
-              <a:t>their questions </a:t>
-            </a:r>
+              <a:t>Mark their questions as answered</a:t>
+            </a:r>
+          </a:p>
+          <a:p>
             <a:r>
               <a:rPr lang="en-GB" sz="2000" dirty="0"/>
-              <a:t>as answered</a:t>
+              <a:t>Like or dislike other users’ answers</a:t>
             </a:r>
           </a:p>
           <a:p>
             <a:r>
               <a:rPr lang="en-GB" sz="2000" dirty="0"/>
-              <a:t>Rate other users’ answers</a:t>
+              <a:t>Like or dislike other users’ questions</a:t>
             </a:r>
           </a:p>
           <a:p>

--- a/Design Specification Final.pptx
+++ b/Design Specification Final.pptx
@@ -124,6 +124,51 @@
     </p:ext>
   </p:extLst>
 </p:presentation>
+</file>
+
+<file path=ppt/revisionInfo.xml><?xml version="1.0" encoding="utf-8"?>
+<p1510:revInfo xmlns:a="http://schemas.openxmlformats.org/drawingml/2006/main" xmlns:r="http://schemas.openxmlformats.org/officeDocument/2006/relationships" xmlns:p1510="http://schemas.microsoft.com/office/powerpoint/2015/10/main">
+  <p1510:revLst>
+    <p1510:client id="{F6AAB639-16AE-48AB-8659-1B76B719E1C8}" v="1" dt="2019-02-21T15:43:03.091"/>
+  </p1510:revLst>
+</p1510:revInfo>
+</file>
+
+<file path=ppt/changesInfos/changesInfo1.xml><?xml version="1.0" encoding="utf-8"?>
+<pc:chgInfo xmlns:a="http://schemas.openxmlformats.org/drawingml/2006/main" xmlns:r="http://schemas.openxmlformats.org/officeDocument/2006/relationships" xmlns:ac="http://schemas.microsoft.com/office/drawing/2013/main/command" xmlns:pc="http://schemas.microsoft.com/office/powerpoint/2013/main/command">
+  <pc:docChgLst>
+    <pc:chgData name="Euan Ferguson" userId="d3d78bc380f84dea" providerId="LiveId" clId="{F6AAB639-16AE-48AB-8659-1B76B719E1C8}"/>
+    <pc:docChg chg="custSel modSld">
+      <pc:chgData name="Euan Ferguson" userId="d3d78bc380f84dea" providerId="LiveId" clId="{F6AAB639-16AE-48AB-8659-1B76B719E1C8}" dt="2019-02-21T15:43:13.771" v="2" actId="1076"/>
+      <pc:docMkLst>
+        <pc:docMk/>
+      </pc:docMkLst>
+      <pc:sldChg chg="addSp delSp modSp">
+        <pc:chgData name="Euan Ferguson" userId="d3d78bc380f84dea" providerId="LiveId" clId="{F6AAB639-16AE-48AB-8659-1B76B719E1C8}" dt="2019-02-21T15:43:13.771" v="2" actId="1076"/>
+        <pc:sldMkLst>
+          <pc:docMk/>
+          <pc:sldMk cId="3628571314" sldId="269"/>
+        </pc:sldMkLst>
+        <pc:picChg chg="add mod">
+          <ac:chgData name="Euan Ferguson" userId="d3d78bc380f84dea" providerId="LiveId" clId="{F6AAB639-16AE-48AB-8659-1B76B719E1C8}" dt="2019-02-21T15:43:13.771" v="2" actId="1076"/>
+          <ac:picMkLst>
+            <pc:docMk/>
+            <pc:sldMk cId="3628571314" sldId="269"/>
+            <ac:picMk id="2" creationId="{34788158-4614-4B88-8C88-FE9462B6BDC3}"/>
+          </ac:picMkLst>
+        </pc:picChg>
+        <pc:picChg chg="del">
+          <ac:chgData name="Euan Ferguson" userId="d3d78bc380f84dea" providerId="LiveId" clId="{F6AAB639-16AE-48AB-8659-1B76B719E1C8}" dt="2019-02-21T15:43:01.937" v="0" actId="478"/>
+          <ac:picMkLst>
+            <pc:docMk/>
+            <pc:sldMk cId="3628571314" sldId="269"/>
+            <ac:picMk id="4" creationId="{6DB52C5B-1B6D-544F-995C-3E7CE8CDE30F}"/>
+          </ac:picMkLst>
+        </pc:picChg>
+      </pc:sldChg>
+    </pc:docChg>
+  </pc:docChgLst>
+</pc:chgInfo>
 </file>
 
 <file path=ppt/slideLayouts/slideLayout1.xml><?xml version="1.0" encoding="utf-8"?>
@@ -3590,10 +3635,10 @@
       </p:sp>
       <p:pic>
         <p:nvPicPr>
-          <p:cNvPr id="4" name="Picture 3" descr="A screenshot of a cell phone&#13;&#10;&#13;&#10;Description automatically generated">
-            <a:extLst>
-              <a:ext uri="{FF2B5EF4-FFF2-40B4-BE49-F238E27FC236}">
-                <a16:creationId xmlns:a16="http://schemas.microsoft.com/office/drawing/2014/main" id="{6DB52C5B-1B6D-544F-995C-3E7CE8CDE30F}"/>
+          <p:cNvPr id="2" name="Picture 1">
+            <a:extLst>
+              <a:ext uri="{FF2B5EF4-FFF2-40B4-BE49-F238E27FC236}">
+                <a16:creationId xmlns:a16="http://schemas.microsoft.com/office/drawing/2014/main" id="{34788158-4614-4B88-8C88-FE9462B6BDC3}"/>
               </a:ext>
             </a:extLst>
           </p:cNvPr>
@@ -3603,21 +3648,15 @@
           <p:nvPr/>
         </p:nvPicPr>
         <p:blipFill>
-          <a:blip r:embed="rId2">
-            <a:extLst>
-              <a:ext uri="{28A0092B-C50C-407E-A947-70E740481C1C}">
-                <a14:useLocalDpi xmlns:a14="http://schemas.microsoft.com/office/drawing/2010/main" val="0"/>
-              </a:ext>
-            </a:extLst>
-          </a:blip>
+          <a:blip r:embed="rId2"/>
           <a:stretch>
             <a:fillRect/>
           </a:stretch>
         </p:blipFill>
         <p:spPr>
           <a:xfrm>
-            <a:off x="3447092" y="0"/>
-            <a:ext cx="8744908" cy="6858000"/>
+            <a:off x="3341914" y="0"/>
+            <a:ext cx="8850086" cy="6858000"/>
           </a:xfrm>
           <a:prstGeom prst="rect">
             <a:avLst/>
@@ -3739,7 +3778,7 @@
       </p:sp>
       <p:pic>
         <p:nvPicPr>
-          <p:cNvPr id="4" name="Picture 3" descr="A screenshot of a cell phone&#13;&#10;&#13;&#10;Description automatically generated">
+          <p:cNvPr id="4" name="Picture 3" descr="A screenshot of a cell phone&#10;&#10;Description automatically generated">
             <a:extLst>
               <a:ext uri="{FF2B5EF4-FFF2-40B4-BE49-F238E27FC236}">
                 <a16:creationId xmlns:a16="http://schemas.microsoft.com/office/drawing/2014/main" id="{82A30BDD-9803-0843-A31C-26C8D764252A}"/>
@@ -5610,7 +5649,7 @@
       </p:grpSpPr>
       <p:pic>
         <p:nvPicPr>
-          <p:cNvPr id="5" name="Picture 4" descr="A picture containing screenshot&#13;&#10;&#13;&#10;Description automatically generated">
+          <p:cNvPr id="5" name="Picture 4" descr="A picture containing screenshot&#10;&#10;Description automatically generated">
             <a:extLst>
               <a:ext uri="{FF2B5EF4-FFF2-40B4-BE49-F238E27FC236}">
                 <a16:creationId xmlns:a16="http://schemas.microsoft.com/office/drawing/2014/main" id="{797919E1-3380-CD43-BF43-3D1908EF47EB}"/>
@@ -9078,7 +9117,7 @@
       </p:sp>
       <p:pic>
         <p:nvPicPr>
-          <p:cNvPr id="3" name="Picture 2" descr="A screenshot of a cell phone&#13;&#10;&#13;&#10;Description automatically generated">
+          <p:cNvPr id="3" name="Picture 2" descr="A screenshot of a cell phone&#10;&#10;Description automatically generated">
             <a:extLst>
               <a:ext uri="{FF2B5EF4-FFF2-40B4-BE49-F238E27FC236}">
                 <a16:creationId xmlns:a16="http://schemas.microsoft.com/office/drawing/2014/main" id="{A98DF243-C162-F14A-B84B-5638B63EB691}"/>
@@ -9227,7 +9266,7 @@
       </p:sp>
       <p:pic>
         <p:nvPicPr>
-          <p:cNvPr id="5" name="Picture 4" descr="A screenshot of a cell phone&#13;&#10;&#13;&#10;Description automatically generated">
+          <p:cNvPr id="5" name="Picture 4" descr="A screenshot of a cell phone&#10;&#10;Description automatically generated">
             <a:extLst>
               <a:ext uri="{FF2B5EF4-FFF2-40B4-BE49-F238E27FC236}">
                 <a16:creationId xmlns:a16="http://schemas.microsoft.com/office/drawing/2014/main" id="{D597E1AA-8350-0F4D-8D9D-94AD90B29A5C}"/>
@@ -9376,7 +9415,7 @@
       </p:sp>
       <p:pic>
         <p:nvPicPr>
-          <p:cNvPr id="3" name="Picture 2" descr="A screenshot of a cell phone&#13;&#10;&#13;&#10;Description automatically generated">
+          <p:cNvPr id="3" name="Picture 2" descr="A screenshot of a cell phone&#10;&#10;Description automatically generated">
             <a:extLst>
               <a:ext uri="{FF2B5EF4-FFF2-40B4-BE49-F238E27FC236}">
                 <a16:creationId xmlns:a16="http://schemas.microsoft.com/office/drawing/2014/main" id="{A4BC033C-0581-014B-85C2-BED5FBF50646}"/>
